--- a/ProgressReport.pptx
+++ b/ProgressReport.pptx
@@ -7,12 +7,11 @@
   <p:sldIdLst>
     <p:sldId id="256" r:id="rId2"/>
     <p:sldId id="260" r:id="rId3"/>
-    <p:sldId id="261" r:id="rId4"/>
-    <p:sldId id="263" r:id="rId5"/>
-    <p:sldId id="262" r:id="rId6"/>
-    <p:sldId id="257" r:id="rId7"/>
-    <p:sldId id="258" r:id="rId8"/>
-    <p:sldId id="259" r:id="rId9"/>
+    <p:sldId id="263" r:id="rId4"/>
+    <p:sldId id="262" r:id="rId5"/>
+    <p:sldId id="257" r:id="rId6"/>
+    <p:sldId id="258" r:id="rId7"/>
+    <p:sldId id="259" r:id="rId8"/>
   </p:sldIdLst>
   <p:sldSz cx="12192000" cy="6858000"/>
   <p:notesSz cx="6858000" cy="9144000"/>
@@ -111,6 +110,11 @@
       </a:defRPr>
     </a:lvl9pPr>
   </p:defaultTextStyle>
+  <p:extLst>
+    <p:ext uri="{EFAFB233-063F-42B5-8137-9DF3F51BA10A}">
+      <p15:sldGuideLst xmlns:p15="http://schemas.microsoft.com/office/powerpoint/2012/main"/>
+    </p:ext>
+  </p:extLst>
 </p:presentation>
 </file>
 
@@ -283,7 +287,7 @@
           <a:p>
             <a:fld id="{64BC0310-7BC2-2E44-B364-58BEF1D93E2A}" type="datetimeFigureOut">
               <a:rPr lang="en-US" smtClean="0"/>
-              <a:t>10/13/17</a:t>
+              <a:t>10/17/17</a:t>
             </a:fld>
             <a:endParaRPr lang="en-US"/>
           </a:p>
@@ -613,7 +617,7 @@
           <a:p>
             <a:fld id="{64BC0310-7BC2-2E44-B364-58BEF1D93E2A}" type="datetimeFigureOut">
               <a:rPr lang="en-US" smtClean="0"/>
-              <a:t>10/13/17</a:t>
+              <a:t>10/17/17</a:t>
             </a:fld>
             <a:endParaRPr lang="en-US"/>
           </a:p>
@@ -793,7 +797,7 @@
           <a:p>
             <a:fld id="{64BC0310-7BC2-2E44-B364-58BEF1D93E2A}" type="datetimeFigureOut">
               <a:rPr lang="en-US" smtClean="0"/>
-              <a:t>10/13/17</a:t>
+              <a:t>10/17/17</a:t>
             </a:fld>
             <a:endParaRPr lang="en-US"/>
           </a:p>
@@ -963,7 +967,7 @@
           <a:p>
             <a:fld id="{64BC0310-7BC2-2E44-B364-58BEF1D93E2A}" type="datetimeFigureOut">
               <a:rPr lang="en-US" smtClean="0"/>
-              <a:t>10/13/17</a:t>
+              <a:t>10/17/17</a:t>
             </a:fld>
             <a:endParaRPr lang="en-US"/>
           </a:p>
@@ -1240,7 +1244,7 @@
           <a:p>
             <a:fld id="{64BC0310-7BC2-2E44-B364-58BEF1D93E2A}" type="datetimeFigureOut">
               <a:rPr lang="en-US" smtClean="0"/>
-              <a:t>10/13/17</a:t>
+              <a:t>10/17/17</a:t>
             </a:fld>
             <a:endParaRPr lang="en-US"/>
           </a:p>
@@ -1634,7 +1638,7 @@
           <a:p>
             <a:fld id="{64BC0310-7BC2-2E44-B364-58BEF1D93E2A}" type="datetimeFigureOut">
               <a:rPr lang="en-US" smtClean="0"/>
-              <a:t>10/13/17</a:t>
+              <a:t>10/17/17</a:t>
             </a:fld>
             <a:endParaRPr lang="en-US"/>
           </a:p>
@@ -2111,7 +2115,7 @@
           <a:p>
             <a:fld id="{64BC0310-7BC2-2E44-B364-58BEF1D93E2A}" type="datetimeFigureOut">
               <a:rPr lang="en-US" smtClean="0"/>
-              <a:t>10/13/17</a:t>
+              <a:t>10/17/17</a:t>
             </a:fld>
             <a:endParaRPr lang="en-US"/>
           </a:p>
@@ -2229,7 +2233,7 @@
           <a:p>
             <a:fld id="{64BC0310-7BC2-2E44-B364-58BEF1D93E2A}" type="datetimeFigureOut">
               <a:rPr lang="en-US" smtClean="0"/>
-              <a:t>10/13/17</a:t>
+              <a:t>10/17/17</a:t>
             </a:fld>
             <a:endParaRPr lang="en-US"/>
           </a:p>
@@ -2324,7 +2328,7 @@
           <a:p>
             <a:fld id="{64BC0310-7BC2-2E44-B364-58BEF1D93E2A}" type="datetimeFigureOut">
               <a:rPr lang="en-US" smtClean="0"/>
-              <a:t>10/13/17</a:t>
+              <a:t>10/17/17</a:t>
             </a:fld>
             <a:endParaRPr lang="en-US"/>
           </a:p>
@@ -2670,7 +2674,7 @@
           <a:p>
             <a:fld id="{64BC0310-7BC2-2E44-B364-58BEF1D93E2A}" type="datetimeFigureOut">
               <a:rPr lang="en-US" smtClean="0"/>
-              <a:t>10/13/17</a:t>
+              <a:t>10/17/17</a:t>
             </a:fld>
             <a:endParaRPr lang="en-US"/>
           </a:p>
@@ -3058,7 +3062,7 @@
           <a:p>
             <a:fld id="{64BC0310-7BC2-2E44-B364-58BEF1D93E2A}" type="datetimeFigureOut">
               <a:rPr lang="en-US" smtClean="0"/>
-              <a:t>10/13/17</a:t>
+              <a:t>10/17/17</a:t>
             </a:fld>
             <a:endParaRPr lang="en-US"/>
           </a:p>
@@ -3336,7 +3340,7 @@
           <a:p>
             <a:fld id="{64BC0310-7BC2-2E44-B364-58BEF1D93E2A}" type="datetimeFigureOut">
               <a:rPr lang="en-US" smtClean="0"/>
-              <a:t>10/13/17</a:t>
+              <a:t>10/17/17</a:t>
             </a:fld>
             <a:endParaRPr lang="en-US"/>
           </a:p>
@@ -3930,29 +3934,6 @@
       </p:grpSpPr>
       <p:sp>
         <p:nvSpPr>
-          <p:cNvPr id="2" name="Title 1"/>
-          <p:cNvSpPr>
-            <a:spLocks noGrp="1"/>
-          </p:cNvSpPr>
-          <p:nvPr>
-            <p:ph type="title"/>
-          </p:nvPr>
-        </p:nvSpPr>
-        <p:spPr/>
-        <p:txBody>
-          <a:bodyPr/>
-          <a:lstStyle/>
-          <a:p>
-            <a:r>
-              <a:rPr lang="en-US" dirty="0" smtClean="0"/>
-              <a:t>Problem</a:t>
-            </a:r>
-            <a:endParaRPr lang="en-US" dirty="0"/>
-          </a:p>
-        </p:txBody>
-      </p:sp>
-      <p:sp>
-        <p:nvSpPr>
           <p:cNvPr id="3" name="Content Placeholder 2"/>
           <p:cNvSpPr>
             <a:spLocks noGrp="1"/>
@@ -3961,18 +3942,47 @@
             <p:ph idx="1"/>
           </p:nvPr>
         </p:nvSpPr>
-        <p:spPr/>
+        <p:spPr>
+          <a:xfrm>
+            <a:off x="1371600" y="685800"/>
+            <a:ext cx="9601200" cy="5181600"/>
+          </a:xfrm>
+        </p:spPr>
         <p:txBody>
           <a:bodyPr>
-            <a:normAutofit/>
+            <a:normAutofit fontScale="92500"/>
           </a:bodyPr>
           <a:lstStyle/>
           <a:p>
             <a:r>
-              <a:rPr lang="en-US" sz="3200" dirty="0" smtClean="0"/>
-              <a:t>Cervical cancer has become a problem for most of third world countries because of their inability to treat it.  Certain treatments don’t work for everyone, and can even worsen the condition.  Doctors don’t have the skills or resources to discern the appropriate treatment.</a:t>
-            </a:r>
-            <a:endParaRPr lang="en-US" sz="3200" dirty="0"/>
+              <a:rPr lang="en-US" sz="3600" b="1" u="sng" dirty="0" smtClean="0"/>
+              <a:t>Problem: </a:t>
+            </a:r>
+            <a:r>
+              <a:rPr lang="en-US" sz="3600" dirty="0" smtClean="0"/>
+              <a:t>Cervical </a:t>
+            </a:r>
+            <a:r>
+              <a:rPr lang="en-US" sz="3600" dirty="0" smtClean="0"/>
+              <a:t>cancer has become a problem for most of third world countries because of their inability to treat it.  Certain treatments don’t work for everyone, and can even worsen the condition.  Doctors don’t have the skills or resources to discern the appropriate treatment</a:t>
+            </a:r>
+            <a:r>
+              <a:rPr lang="en-US" sz="3600" dirty="0" smtClean="0"/>
+              <a:t>.</a:t>
+            </a:r>
+          </a:p>
+          <a:p>
+            <a:r>
+              <a:rPr lang="en-US" sz="3600" b="1" u="sng" dirty="0" smtClean="0"/>
+              <a:t>Goal: </a:t>
+            </a:r>
+            <a:r>
+              <a:rPr lang="en-US" sz="3600" dirty="0"/>
+              <a:t>The goal is to create an image classifier that will be able to determine the type of a woman’s cervix, and therefore the appropriate treatment.</a:t>
+            </a:r>
+          </a:p>
+          <a:p>
+            <a:endParaRPr lang="en-US" sz="3200" b="1" dirty="0"/>
           </a:p>
         </p:txBody>
       </p:sp>
@@ -4006,58 +4016,40 @@
           <a:chExt cx="0" cy="0"/>
         </a:xfrm>
       </p:grpSpPr>
-      <p:sp>
-        <p:nvSpPr>
-          <p:cNvPr id="2" name="Title 1"/>
-          <p:cNvSpPr>
-            <a:spLocks noGrp="1"/>
-          </p:cNvSpPr>
-          <p:nvPr>
-            <p:ph type="title"/>
-          </p:nvPr>
-        </p:nvSpPr>
-        <p:spPr/>
-        <p:txBody>
-          <a:bodyPr/>
-          <a:lstStyle/>
-          <a:p>
-            <a:r>
-              <a:rPr lang="en-US" dirty="0" smtClean="0"/>
-              <a:t>Goal</a:t>
-            </a:r>
-            <a:endParaRPr lang="en-US" dirty="0"/>
-          </a:p>
-        </p:txBody>
-      </p:sp>
-      <p:sp>
-        <p:nvSpPr>
-          <p:cNvPr id="3" name="Content Placeholder 2"/>
-          <p:cNvSpPr>
-            <a:spLocks noGrp="1"/>
-          </p:cNvSpPr>
-          <p:nvPr>
-            <p:ph idx="1"/>
-          </p:nvPr>
-        </p:nvSpPr>
-        <p:spPr/>
-        <p:txBody>
-          <a:bodyPr>
-            <a:normAutofit/>
-          </a:bodyPr>
-          <a:lstStyle/>
-          <a:p>
-            <a:r>
-              <a:rPr lang="en-US" sz="3200" dirty="0" smtClean="0"/>
-              <a:t>The goal is to create an image classifier that will be able to determine the type of a woman’s cervix, and therefore the appropriate treatment.</a:t>
-            </a:r>
-            <a:endParaRPr lang="en-US" sz="3200" dirty="0"/>
-          </a:p>
-        </p:txBody>
-      </p:sp>
+      <p:pic>
+        <p:nvPicPr>
+          <p:cNvPr id="2" name="Picture 1"/>
+          <p:cNvPicPr>
+            <a:picLocks noChangeAspect="1"/>
+          </p:cNvPicPr>
+          <p:nvPr/>
+        </p:nvPicPr>
+        <p:blipFill>
+          <a:blip r:embed="rId2">
+            <a:extLst>
+              <a:ext uri="{28A0092B-C50C-407E-A947-70E740481C1C}">
+                <a14:useLocalDpi xmlns:a14="http://schemas.microsoft.com/office/drawing/2010/main" val="0"/>
+              </a:ext>
+            </a:extLst>
+          </a:blip>
+          <a:stretch>
+            <a:fillRect/>
+          </a:stretch>
+        </p:blipFill>
+        <p:spPr>
+          <a:xfrm>
+            <a:off x="0" y="0"/>
+            <a:ext cx="12175812" cy="6858000"/>
+          </a:xfrm>
+          <a:prstGeom prst="rect">
+            <a:avLst/>
+          </a:prstGeom>
+        </p:spPr>
+      </p:pic>
     </p:spTree>
     <p:extLst>
       <p:ext uri="{BB962C8B-B14F-4D97-AF65-F5344CB8AC3E}">
-        <p14:creationId xmlns:p14="http://schemas.microsoft.com/office/powerpoint/2010/main" val="1336792455"/>
+        <p14:creationId xmlns:p14="http://schemas.microsoft.com/office/powerpoint/2010/main" val="632145911"/>
       </p:ext>
     </p:extLst>
   </p:cSld>
@@ -4084,11 +4076,38 @@
           <a:chExt cx="0" cy="0"/>
         </a:xfrm>
       </p:grpSpPr>
+      <p:sp>
+        <p:nvSpPr>
+          <p:cNvPr id="2" name="Title 1"/>
+          <p:cNvSpPr>
+            <a:spLocks noGrp="1"/>
+          </p:cNvSpPr>
+          <p:nvPr>
+            <p:ph type="title"/>
+          </p:nvPr>
+        </p:nvSpPr>
+        <p:spPr/>
+        <p:txBody>
+          <a:bodyPr/>
+          <a:lstStyle/>
+          <a:p>
+            <a:r>
+              <a:rPr lang="en-US" dirty="0" smtClean="0"/>
+              <a:t>Data</a:t>
+            </a:r>
+            <a:endParaRPr lang="en-US" dirty="0"/>
+          </a:p>
+        </p:txBody>
+      </p:sp>
       <p:pic>
         <p:nvPicPr>
-          <p:cNvPr id="4" name="Picture 3" descr="../../Desktop/Screen%20Shot%202017-10-05%20at%205.28.54%20PM.p"/>
-          <p:cNvPicPr/>
-          <p:nvPr/>
+          <p:cNvPr id="5" name="Content Placeholder 4"/>
+          <p:cNvPicPr>
+            <a:picLocks noGrp="1" noChangeAspect="1"/>
+          </p:cNvPicPr>
+          <p:nvPr>
+            <p:ph idx="1"/>
+          </p:nvPr>
         </p:nvPicPr>
         <p:blipFill>
           <a:blip r:embed="rId2">
@@ -4098,29 +4117,21 @@
               </a:ext>
             </a:extLst>
           </a:blip>
-          <a:srcRect/>
           <a:stretch>
             <a:fillRect/>
           </a:stretch>
         </p:blipFill>
-        <p:spPr bwMode="auto">
-          <a:xfrm>
-            <a:off x="0" y="0"/>
-            <a:ext cx="12192000" cy="6858000"/>
-          </a:xfrm>
-          <a:prstGeom prst="rect">
-            <a:avLst/>
-          </a:prstGeom>
-          <a:noFill/>
-          <a:ln>
-            <a:noFill/>
-          </a:ln>
+        <p:spPr>
+          <a:xfrm>
+            <a:off x="3018209" y="1509512"/>
+            <a:ext cx="7675621" cy="4357888"/>
+          </a:xfrm>
         </p:spPr>
       </p:pic>
     </p:spTree>
     <p:extLst>
       <p:ext uri="{BB962C8B-B14F-4D97-AF65-F5344CB8AC3E}">
-        <p14:creationId xmlns:p14="http://schemas.microsoft.com/office/powerpoint/2010/main" val="632145911"/>
+        <p14:creationId xmlns:p14="http://schemas.microsoft.com/office/powerpoint/2010/main" val="1562365183"/>
       </p:ext>
     </p:extLst>
   </p:cSld>
@@ -4164,45 +4175,60 @@
           <a:p>
             <a:r>
               <a:rPr lang="en-US" dirty="0" smtClean="0"/>
-              <a:t>Data</a:t>
+              <a:t>My time so far</a:t>
+            </a:r>
+            <a:r>
+              <a:rPr lang="mr-IN" dirty="0" smtClean="0"/>
+              <a:t>…</a:t>
             </a:r>
             <a:endParaRPr lang="en-US" dirty="0"/>
           </a:p>
         </p:txBody>
       </p:sp>
-      <p:pic>
-        <p:nvPicPr>
-          <p:cNvPr id="5" name="Content Placeholder 4"/>
-          <p:cNvPicPr>
-            <a:picLocks noGrp="1" noChangeAspect="1"/>
-          </p:cNvPicPr>
+      <p:sp>
+        <p:nvSpPr>
+          <p:cNvPr id="3" name="Content Placeholder 2"/>
+          <p:cNvSpPr>
+            <a:spLocks noGrp="1"/>
+          </p:cNvSpPr>
           <p:nvPr>
             <p:ph idx="1"/>
           </p:nvPr>
-        </p:nvPicPr>
-        <p:blipFill>
-          <a:blip r:embed="rId2">
-            <a:extLst>
-              <a:ext uri="{28A0092B-C50C-407E-A947-70E740481C1C}">
-                <a14:useLocalDpi xmlns:a14="http://schemas.microsoft.com/office/drawing/2010/main" val="0"/>
-              </a:ext>
-            </a:extLst>
-          </a:blip>
-          <a:stretch>
-            <a:fillRect/>
-          </a:stretch>
-        </p:blipFill>
-        <p:spPr>
-          <a:xfrm>
-            <a:off x="3018209" y="1509512"/>
-            <a:ext cx="7675621" cy="4357888"/>
-          </a:xfrm>
-        </p:spPr>
-      </p:pic>
+        </p:nvSpPr>
+        <p:spPr/>
+        <p:txBody>
+          <a:bodyPr/>
+          <a:lstStyle/>
+          <a:p>
+            <a:r>
+              <a:rPr lang="en-US" sz="3200" dirty="0" smtClean="0"/>
+              <a:t>Learning the basics of ML through introductory </a:t>
+            </a:r>
+            <a:r>
+              <a:rPr lang="en-US" sz="3200" dirty="0" err="1" smtClean="0"/>
+              <a:t>Kaggle</a:t>
+            </a:r>
+            <a:r>
+              <a:rPr lang="en-US" sz="3200" dirty="0" smtClean="0"/>
+              <a:t> projects</a:t>
+            </a:r>
+            <a:endParaRPr lang="en-US" sz="3200" dirty="0" smtClean="0"/>
+          </a:p>
+          <a:p>
+            <a:r>
+              <a:rPr lang="en-US" sz="3200" dirty="0" smtClean="0"/>
+              <a:t>Reading articles about current algorithms being used for image classification</a:t>
+            </a:r>
+          </a:p>
+          <a:p>
+            <a:endParaRPr lang="en-US" dirty="0"/>
+          </a:p>
+        </p:txBody>
+      </p:sp>
     </p:spTree>
     <p:extLst>
       <p:ext uri="{BB962C8B-B14F-4D97-AF65-F5344CB8AC3E}">
-        <p14:creationId xmlns:p14="http://schemas.microsoft.com/office/powerpoint/2010/main" val="1562365183"/>
+        <p14:creationId xmlns:p14="http://schemas.microsoft.com/office/powerpoint/2010/main" val="1986843482"/>
       </p:ext>
     </p:extLst>
   </p:cSld>
@@ -4246,7 +4272,7 @@
           <a:p>
             <a:r>
               <a:rPr lang="en-US" dirty="0" smtClean="0"/>
-              <a:t>My time so far</a:t>
+              <a:t>What have I learned so far</a:t>
             </a:r>
             <a:r>
               <a:rPr lang="mr-IN" dirty="0" smtClean="0"/>
@@ -4268,29 +4294,88 @@
         </p:nvSpPr>
         <p:spPr/>
         <p:txBody>
-          <a:bodyPr/>
+          <a:bodyPr>
+            <a:normAutofit fontScale="92500" lnSpcReduction="10000"/>
+          </a:bodyPr>
           <a:lstStyle/>
           <a:p>
             <a:r>
               <a:rPr lang="en-US" sz="3200" dirty="0" smtClean="0"/>
-              <a:t>Titanic Machine Learning Disaster</a:t>
-            </a:r>
-          </a:p>
-          <a:p>
+              <a:t>Understanding the steps to the ML process</a:t>
+            </a:r>
+          </a:p>
+          <a:p>
+            <a:pPr lvl="1"/>
             <a:r>
               <a:rPr lang="en-US" sz="3200" dirty="0" smtClean="0"/>
-              <a:t>Reading articles about current algorithms being used for image classification</a:t>
-            </a:r>
-          </a:p>
-          <a:p>
-            <a:endParaRPr lang="en-US" dirty="0"/>
+              <a:t>Steps to both clean and transform </a:t>
+            </a:r>
+            <a:r>
+              <a:rPr lang="en-US" sz="3200" dirty="0" smtClean="0"/>
+              <a:t>data</a:t>
+            </a:r>
+            <a:endParaRPr lang="en-US" sz="3200" dirty="0" smtClean="0"/>
+          </a:p>
+          <a:p>
+            <a:r>
+              <a:rPr lang="en-US" sz="3200" dirty="0" smtClean="0"/>
+              <a:t>Learning steps I could take in </a:t>
+            </a:r>
+            <a:r>
+              <a:rPr lang="en-US" sz="3200" dirty="0" smtClean="0"/>
+              <a:t>preprocessing</a:t>
+            </a:r>
+          </a:p>
+          <a:p>
+            <a:pPr lvl="1"/>
+            <a:r>
+              <a:rPr lang="en-US" sz="3200" dirty="0" smtClean="0"/>
+              <a:t>Boundary detection and extraction</a:t>
+            </a:r>
+          </a:p>
+          <a:p>
+            <a:pPr lvl="1"/>
+            <a:r>
+              <a:rPr lang="en-US" sz="3200" dirty="0" smtClean="0"/>
+              <a:t>Histogram equalizations</a:t>
+            </a:r>
+            <a:endParaRPr lang="en-US" sz="3200" dirty="0" smtClean="0"/>
+          </a:p>
+          <a:p>
+            <a:r>
+              <a:rPr lang="en-US" sz="3200" dirty="0" smtClean="0"/>
+              <a:t>Learning new algorithms that I could </a:t>
+            </a:r>
+            <a:r>
+              <a:rPr lang="en-US" sz="3200" dirty="0" smtClean="0"/>
+              <a:t>implement</a:t>
+            </a:r>
+          </a:p>
+          <a:p>
+            <a:pPr lvl="1"/>
+            <a:r>
+              <a:rPr lang="en-US" sz="3200" dirty="0" err="1" smtClean="0"/>
+              <a:t>Specht’s</a:t>
+            </a:r>
+            <a:r>
+              <a:rPr lang="en-US" sz="3200" dirty="0" smtClean="0"/>
+              <a:t> </a:t>
+            </a:r>
+            <a:r>
+              <a:rPr lang="en-US" sz="3200" dirty="0" err="1" smtClean="0"/>
+              <a:t>probablistic</a:t>
+            </a:r>
+            <a:r>
+              <a:rPr lang="en-US" sz="3200" dirty="0" smtClean="0"/>
+              <a:t> neural networks</a:t>
+            </a:r>
           </a:p>
         </p:txBody>
       </p:sp>
     </p:spTree>
     <p:extLst>
       <p:ext uri="{BB962C8B-B14F-4D97-AF65-F5344CB8AC3E}">
-        <p14:creationId xmlns:p14="http://schemas.microsoft.com/office/powerpoint/2010/main" val="1986843482"/>
+        <p14:creationId xmlns:p14="http://schemas.microsoft.com/office/powerpoint/2010/main" val="1584701159"/>
       </p:ext>
     </p:extLst>
   </p:cSld>
@@ -4327,18 +4412,23 @@
             <p:ph type="title"/>
           </p:nvPr>
         </p:nvSpPr>
-        <p:spPr/>
+        <p:spPr>
+          <a:xfrm>
+            <a:off x="1371600" y="685800"/>
+            <a:ext cx="9601200" cy="941522"/>
+          </a:xfrm>
+        </p:spPr>
         <p:txBody>
           <a:bodyPr/>
           <a:lstStyle/>
           <a:p>
             <a:r>
               <a:rPr lang="en-US" dirty="0" smtClean="0"/>
-              <a:t>What have I learned so far</a:t>
-            </a:r>
-            <a:r>
-              <a:rPr lang="mr-IN" dirty="0" smtClean="0"/>
-              <a:t>…</a:t>
+              <a:t>My next </a:t>
+            </a:r>
+            <a:r>
+              <a:rPr lang="en-US" dirty="0" smtClean="0"/>
+              <a:t>local steps</a:t>
             </a:r>
             <a:endParaRPr lang="en-US" dirty="0"/>
           </a:p>
@@ -4363,111 +4453,6 @@
           <a:p>
             <a:r>
               <a:rPr lang="en-US" sz="3200" dirty="0" smtClean="0"/>
-              <a:t>Understanding the steps to the ML process</a:t>
-            </a:r>
-          </a:p>
-          <a:p>
-            <a:pPr lvl="1"/>
-            <a:r>
-              <a:rPr lang="en-US" sz="3200" dirty="0" smtClean="0"/>
-              <a:t>Steps to both clean and transform data</a:t>
-            </a:r>
-          </a:p>
-          <a:p>
-            <a:pPr lvl="1"/>
-            <a:endParaRPr lang="en-US" sz="3200" dirty="0" smtClean="0"/>
-          </a:p>
-          <a:p>
-            <a:r>
-              <a:rPr lang="en-US" sz="3200" dirty="0" smtClean="0"/>
-              <a:t>Learning steps I could take in preprocessing</a:t>
-            </a:r>
-          </a:p>
-          <a:p>
-            <a:r>
-              <a:rPr lang="en-US" sz="3200" dirty="0" smtClean="0"/>
-              <a:t>Learning new algorithms that I could implement</a:t>
-            </a:r>
-          </a:p>
-        </p:txBody>
-      </p:sp>
-    </p:spTree>
-    <p:extLst>
-      <p:ext uri="{BB962C8B-B14F-4D97-AF65-F5344CB8AC3E}">
-        <p14:creationId xmlns:p14="http://schemas.microsoft.com/office/powerpoint/2010/main" val="1584701159"/>
-      </p:ext>
-    </p:extLst>
-  </p:cSld>
-  <p:clrMapOvr>
-    <a:masterClrMapping/>
-  </p:clrMapOvr>
-</p:sld>
-</file>
-
-<file path=ppt/slides/slide8.xml><?xml version="1.0" encoding="utf-8"?>
-<p:sld xmlns:a="http://schemas.openxmlformats.org/drawingml/2006/main" xmlns:r="http://schemas.openxmlformats.org/officeDocument/2006/relationships" xmlns:p="http://schemas.openxmlformats.org/presentationml/2006/main">
-  <p:cSld>
-    <p:spTree>
-      <p:nvGrpSpPr>
-        <p:cNvPr id="1" name=""/>
-        <p:cNvGrpSpPr/>
-        <p:nvPr/>
-      </p:nvGrpSpPr>
-      <p:grpSpPr>
-        <a:xfrm>
-          <a:off x="0" y="0"/>
-          <a:ext cx="0" cy="0"/>
-          <a:chOff x="0" y="0"/>
-          <a:chExt cx="0" cy="0"/>
-        </a:xfrm>
-      </p:grpSpPr>
-      <p:sp>
-        <p:nvSpPr>
-          <p:cNvPr id="2" name="Title 1"/>
-          <p:cNvSpPr>
-            <a:spLocks noGrp="1"/>
-          </p:cNvSpPr>
-          <p:nvPr>
-            <p:ph type="title"/>
-          </p:nvPr>
-        </p:nvSpPr>
-        <p:spPr>
-          <a:xfrm>
-            <a:off x="1371600" y="685800"/>
-            <a:ext cx="9601200" cy="941522"/>
-          </a:xfrm>
-        </p:spPr>
-        <p:txBody>
-          <a:bodyPr/>
-          <a:lstStyle/>
-          <a:p>
-            <a:r>
-              <a:rPr lang="en-US" dirty="0" smtClean="0"/>
-              <a:t>My next steps</a:t>
-            </a:r>
-            <a:endParaRPr lang="en-US" dirty="0"/>
-          </a:p>
-        </p:txBody>
-      </p:sp>
-      <p:sp>
-        <p:nvSpPr>
-          <p:cNvPr id="3" name="Content Placeholder 2"/>
-          <p:cNvSpPr>
-            <a:spLocks noGrp="1"/>
-          </p:cNvSpPr>
-          <p:nvPr>
-            <p:ph idx="1"/>
-          </p:nvPr>
-        </p:nvSpPr>
-        <p:spPr/>
-        <p:txBody>
-          <a:bodyPr>
-            <a:normAutofit/>
-          </a:bodyPr>
-          <a:lstStyle/>
-          <a:p>
-            <a:r>
-              <a:rPr lang="en-US" sz="3200" dirty="0" smtClean="0"/>
               <a:t>Doing the Facebook </a:t>
             </a:r>
             <a:r>
@@ -4482,7 +4467,19 @@
           <a:p>
             <a:r>
               <a:rPr lang="en-US" sz="3200" dirty="0" smtClean="0"/>
-              <a:t>Starting the preprocessing using techniques learned from research articles</a:t>
+              <a:t>Starting the preprocessing using techniques learned from research </a:t>
+            </a:r>
+            <a:r>
+              <a:rPr lang="en-US" sz="3200" dirty="0" smtClean="0"/>
+              <a:t>articles and </a:t>
+            </a:r>
+            <a:r>
+              <a:rPr lang="en-US" sz="3200" dirty="0" err="1" smtClean="0"/>
+              <a:t>OpenCV</a:t>
+            </a:r>
+            <a:r>
+              <a:rPr lang="en-US" sz="3200" dirty="0" smtClean="0"/>
+              <a:t> tutorials</a:t>
             </a:r>
           </a:p>
         </p:txBody>

--- a/ProgressReport.pptx
+++ b/ProgressReport.pptx
@@ -7,11 +7,16 @@
   <p:sldIdLst>
     <p:sldId id="256" r:id="rId2"/>
     <p:sldId id="260" r:id="rId3"/>
-    <p:sldId id="263" r:id="rId4"/>
-    <p:sldId id="262" r:id="rId5"/>
-    <p:sldId id="257" r:id="rId6"/>
-    <p:sldId id="258" r:id="rId7"/>
-    <p:sldId id="259" r:id="rId8"/>
+    <p:sldId id="264" r:id="rId4"/>
+    <p:sldId id="265" r:id="rId5"/>
+    <p:sldId id="267" r:id="rId6"/>
+    <p:sldId id="266" r:id="rId7"/>
+    <p:sldId id="262" r:id="rId8"/>
+    <p:sldId id="258" r:id="rId9"/>
+    <p:sldId id="268" r:id="rId10"/>
+    <p:sldId id="269" r:id="rId11"/>
+    <p:sldId id="263" r:id="rId12"/>
+    <p:sldId id="270" r:id="rId13"/>
   </p:sldIdLst>
   <p:sldSz cx="12192000" cy="6858000"/>
   <p:notesSz cx="6858000" cy="9144000"/>
@@ -287,7 +292,7 @@
           <a:p>
             <a:fld id="{64BC0310-7BC2-2E44-B364-58BEF1D93E2A}" type="datetimeFigureOut">
               <a:rPr lang="en-US" smtClean="0"/>
-              <a:t>10/17/17</a:t>
+              <a:t>10/19/17</a:t>
             </a:fld>
             <a:endParaRPr lang="en-US"/>
           </a:p>
@@ -617,7 +622,7 @@
           <a:p>
             <a:fld id="{64BC0310-7BC2-2E44-B364-58BEF1D93E2A}" type="datetimeFigureOut">
               <a:rPr lang="en-US" smtClean="0"/>
-              <a:t>10/17/17</a:t>
+              <a:t>10/19/17</a:t>
             </a:fld>
             <a:endParaRPr lang="en-US"/>
           </a:p>
@@ -797,7 +802,7 @@
           <a:p>
             <a:fld id="{64BC0310-7BC2-2E44-B364-58BEF1D93E2A}" type="datetimeFigureOut">
               <a:rPr lang="en-US" smtClean="0"/>
-              <a:t>10/17/17</a:t>
+              <a:t>10/19/17</a:t>
             </a:fld>
             <a:endParaRPr lang="en-US"/>
           </a:p>
@@ -967,7 +972,7 @@
           <a:p>
             <a:fld id="{64BC0310-7BC2-2E44-B364-58BEF1D93E2A}" type="datetimeFigureOut">
               <a:rPr lang="en-US" smtClean="0"/>
-              <a:t>10/17/17</a:t>
+              <a:t>10/19/17</a:t>
             </a:fld>
             <a:endParaRPr lang="en-US"/>
           </a:p>
@@ -1244,7 +1249,7 @@
           <a:p>
             <a:fld id="{64BC0310-7BC2-2E44-B364-58BEF1D93E2A}" type="datetimeFigureOut">
               <a:rPr lang="en-US" smtClean="0"/>
-              <a:t>10/17/17</a:t>
+              <a:t>10/19/17</a:t>
             </a:fld>
             <a:endParaRPr lang="en-US"/>
           </a:p>
@@ -1638,7 +1643,7 @@
           <a:p>
             <a:fld id="{64BC0310-7BC2-2E44-B364-58BEF1D93E2A}" type="datetimeFigureOut">
               <a:rPr lang="en-US" smtClean="0"/>
-              <a:t>10/17/17</a:t>
+              <a:t>10/19/17</a:t>
             </a:fld>
             <a:endParaRPr lang="en-US"/>
           </a:p>
@@ -2115,7 +2120,7 @@
           <a:p>
             <a:fld id="{64BC0310-7BC2-2E44-B364-58BEF1D93E2A}" type="datetimeFigureOut">
               <a:rPr lang="en-US" smtClean="0"/>
-              <a:t>10/17/17</a:t>
+              <a:t>10/19/17</a:t>
             </a:fld>
             <a:endParaRPr lang="en-US"/>
           </a:p>
@@ -2233,7 +2238,7 @@
           <a:p>
             <a:fld id="{64BC0310-7BC2-2E44-B364-58BEF1D93E2A}" type="datetimeFigureOut">
               <a:rPr lang="en-US" smtClean="0"/>
-              <a:t>10/17/17</a:t>
+              <a:t>10/19/17</a:t>
             </a:fld>
             <a:endParaRPr lang="en-US"/>
           </a:p>
@@ -2328,7 +2333,7 @@
           <a:p>
             <a:fld id="{64BC0310-7BC2-2E44-B364-58BEF1D93E2A}" type="datetimeFigureOut">
               <a:rPr lang="en-US" smtClean="0"/>
-              <a:t>10/17/17</a:t>
+              <a:t>10/19/17</a:t>
             </a:fld>
             <a:endParaRPr lang="en-US"/>
           </a:p>
@@ -2674,7 +2679,7 @@
           <a:p>
             <a:fld id="{64BC0310-7BC2-2E44-B364-58BEF1D93E2A}" type="datetimeFigureOut">
               <a:rPr lang="en-US" smtClean="0"/>
-              <a:t>10/17/17</a:t>
+              <a:t>10/19/17</a:t>
             </a:fld>
             <a:endParaRPr lang="en-US"/>
           </a:p>
@@ -3062,7 +3067,7 @@
           <a:p>
             <a:fld id="{64BC0310-7BC2-2E44-B364-58BEF1D93E2A}" type="datetimeFigureOut">
               <a:rPr lang="en-US" smtClean="0"/>
-              <a:t>10/17/17</a:t>
+              <a:t>10/19/17</a:t>
             </a:fld>
             <a:endParaRPr lang="en-US"/>
           </a:p>
@@ -3340,7 +3345,7 @@
           <a:p>
             <a:fld id="{64BC0310-7BC2-2E44-B364-58BEF1D93E2A}" type="datetimeFigureOut">
               <a:rPr lang="en-US" smtClean="0"/>
-              <a:t>10/17/17</a:t>
+              <a:t>10/19/17</a:t>
             </a:fld>
             <a:endParaRPr lang="en-US"/>
           </a:p>
@@ -3915,7 +3920,7 @@
 </p:sld>
 </file>
 
-<file path=ppt/slides/slide2.xml><?xml version="1.0" encoding="utf-8"?>
+<file path=ppt/slides/slide10.xml><?xml version="1.0" encoding="utf-8"?>
 <p:sld xmlns:a="http://schemas.openxmlformats.org/drawingml/2006/main" xmlns:r="http://schemas.openxmlformats.org/officeDocument/2006/relationships" xmlns:p="http://schemas.openxmlformats.org/presentationml/2006/main">
   <p:cSld>
     <p:spTree>
@@ -3934,6 +3939,41 @@
       </p:grpSpPr>
       <p:sp>
         <p:nvSpPr>
+          <p:cNvPr id="2" name="Title 1"/>
+          <p:cNvSpPr>
+            <a:spLocks noGrp="1"/>
+          </p:cNvSpPr>
+          <p:nvPr>
+            <p:ph type="title"/>
+          </p:nvPr>
+        </p:nvSpPr>
+        <p:spPr/>
+        <p:txBody>
+          <a:bodyPr/>
+          <a:lstStyle/>
+          <a:p>
+            <a:r>
+              <a:rPr lang="en-US" dirty="0" err="1" smtClean="0"/>
+              <a:t>Specht’s</a:t>
+            </a:r>
+            <a:r>
+              <a:rPr lang="en-US" dirty="0" smtClean="0"/>
+              <a:t> </a:t>
+            </a:r>
+            <a:r>
+              <a:rPr lang="en-US" dirty="0" err="1" smtClean="0"/>
+              <a:t>probablistic</a:t>
+            </a:r>
+            <a:r>
+              <a:rPr lang="en-US" dirty="0" smtClean="0"/>
+              <a:t> neural network (PNN)</a:t>
+            </a:r>
+            <a:endParaRPr lang="en-US" dirty="0"/>
+          </a:p>
+        </p:txBody>
+      </p:sp>
+      <p:sp>
+        <p:nvSpPr>
           <p:cNvPr id="3" name="Content Placeholder 2"/>
           <p:cNvSpPr>
             <a:spLocks noGrp="1"/>
@@ -3942,54 +3982,63 @@
             <p:ph idx="1"/>
           </p:nvPr>
         </p:nvSpPr>
-        <p:spPr>
-          <a:xfrm>
-            <a:off x="1371600" y="685800"/>
-            <a:ext cx="9601200" cy="5181600"/>
-          </a:xfrm>
-        </p:spPr>
+        <p:spPr/>
         <p:txBody>
           <a:bodyPr>
-            <a:normAutofit fontScale="92500"/>
+            <a:normAutofit/>
           </a:bodyPr>
           <a:lstStyle/>
           <a:p>
             <a:r>
-              <a:rPr lang="en-US" sz="3600" b="1" u="sng" dirty="0" smtClean="0"/>
-              <a:t>Problem: </a:t>
-            </a:r>
-            <a:r>
-              <a:rPr lang="en-US" sz="3600" dirty="0" smtClean="0"/>
-              <a:t>Cervical </a:t>
-            </a:r>
-            <a:r>
-              <a:rPr lang="en-US" sz="3600" dirty="0" smtClean="0"/>
-              <a:t>cancer has become a problem for most of third world countries because of their inability to treat it.  Certain treatments don’t work for everyone, and can even worsen the condition.  Doctors don’t have the skills or resources to discern the appropriate treatment</a:t>
-            </a:r>
-            <a:r>
-              <a:rPr lang="en-US" sz="3600" dirty="0" smtClean="0"/>
-              <a:t>.</a:t>
-            </a:r>
-          </a:p>
-          <a:p>
-            <a:r>
-              <a:rPr lang="en-US" sz="3600" b="1" u="sng" dirty="0" smtClean="0"/>
-              <a:t>Goal: </a:t>
-            </a:r>
-            <a:r>
-              <a:rPr lang="en-US" sz="3600" dirty="0"/>
-              <a:t>The goal is to create an image classifier that will be able to determine the type of a woman’s cervix, and therefore the appropriate treatment.</a:t>
-            </a:r>
-          </a:p>
-          <a:p>
-            <a:endParaRPr lang="en-US" sz="3200" b="1" dirty="0"/>
+              <a:rPr lang="en-US" sz="3200" dirty="0" smtClean="0"/>
+              <a:t>Map any input pattern to a number of classifications</a:t>
+            </a:r>
+          </a:p>
+          <a:p>
+            <a:r>
+              <a:rPr lang="en-US" sz="3200" dirty="0" err="1" smtClean="0"/>
+              <a:t>Feedforward</a:t>
+            </a:r>
+            <a:r>
+              <a:rPr lang="en-US" sz="3200" dirty="0" smtClean="0"/>
+              <a:t> network:</a:t>
+            </a:r>
+          </a:p>
+          <a:p>
+            <a:pPr lvl="1"/>
+            <a:r>
+              <a:rPr lang="en-US" sz="3200" dirty="0" smtClean="0"/>
+              <a:t>Input layer</a:t>
+            </a:r>
+          </a:p>
+          <a:p>
+            <a:pPr lvl="1"/>
+            <a:r>
+              <a:rPr lang="en-US" sz="3200" dirty="0" smtClean="0"/>
+              <a:t>Pattern layer</a:t>
+            </a:r>
+          </a:p>
+          <a:p>
+            <a:pPr lvl="1"/>
+            <a:r>
+              <a:rPr lang="en-US" sz="3200" dirty="0" smtClean="0"/>
+              <a:t>Summation layer</a:t>
+            </a:r>
+          </a:p>
+          <a:p>
+            <a:pPr lvl="1"/>
+            <a:r>
+              <a:rPr lang="en-US" sz="3200" dirty="0" smtClean="0"/>
+              <a:t>Output layer</a:t>
+            </a:r>
+            <a:endParaRPr lang="en-US" sz="3200" dirty="0"/>
           </a:p>
         </p:txBody>
       </p:sp>
     </p:spTree>
     <p:extLst>
       <p:ext uri="{BB962C8B-B14F-4D97-AF65-F5344CB8AC3E}">
-        <p14:creationId xmlns:p14="http://schemas.microsoft.com/office/powerpoint/2010/main" val="219348880"/>
+        <p14:creationId xmlns:p14="http://schemas.microsoft.com/office/powerpoint/2010/main" val="575239096"/>
       </p:ext>
     </p:extLst>
   </p:cSld>
@@ -3999,7 +4048,7 @@
 </p:sld>
 </file>
 
-<file path=ppt/slides/slide3.xml><?xml version="1.0" encoding="utf-8"?>
+<file path=ppt/slides/slide11.xml><?xml version="1.0" encoding="utf-8"?>
 <p:sld xmlns:a="http://schemas.openxmlformats.org/drawingml/2006/main" xmlns:r="http://schemas.openxmlformats.org/officeDocument/2006/relationships" xmlns:p="http://schemas.openxmlformats.org/presentationml/2006/main">
   <p:cSld>
     <p:spTree>
@@ -4059,6 +4108,340 @@
 </p:sld>
 </file>
 
+<file path=ppt/slides/slide12.xml><?xml version="1.0" encoding="utf-8"?>
+<p:sld xmlns:a="http://schemas.openxmlformats.org/drawingml/2006/main" xmlns:r="http://schemas.openxmlformats.org/officeDocument/2006/relationships" xmlns:p="http://schemas.openxmlformats.org/presentationml/2006/main">
+  <p:cSld>
+    <p:spTree>
+      <p:nvGrpSpPr>
+        <p:cNvPr id="1" name=""/>
+        <p:cNvGrpSpPr/>
+        <p:nvPr/>
+      </p:nvGrpSpPr>
+      <p:grpSpPr>
+        <a:xfrm>
+          <a:off x="0" y="0"/>
+          <a:ext cx="0" cy="0"/>
+          <a:chOff x="0" y="0"/>
+          <a:chExt cx="0" cy="0"/>
+        </a:xfrm>
+      </p:grpSpPr>
+      <p:sp>
+        <p:nvSpPr>
+          <p:cNvPr id="2" name="Title 1"/>
+          <p:cNvSpPr>
+            <a:spLocks noGrp="1"/>
+          </p:cNvSpPr>
+          <p:nvPr>
+            <p:ph type="title"/>
+          </p:nvPr>
+        </p:nvSpPr>
+        <p:spPr/>
+        <p:txBody>
+          <a:bodyPr/>
+          <a:lstStyle/>
+          <a:p>
+            <a:r>
+              <a:rPr lang="en-US" dirty="0" smtClean="0"/>
+              <a:t>References</a:t>
+            </a:r>
+            <a:endParaRPr lang="en-US" dirty="0"/>
+          </a:p>
+        </p:txBody>
+      </p:sp>
+      <p:sp>
+        <p:nvSpPr>
+          <p:cNvPr id="3" name="Content Placeholder 2"/>
+          <p:cNvSpPr>
+            <a:spLocks noGrp="1"/>
+          </p:cNvSpPr>
+          <p:nvPr>
+            <p:ph idx="1"/>
+          </p:nvPr>
+        </p:nvSpPr>
+        <p:spPr/>
+        <p:txBody>
+          <a:bodyPr>
+            <a:normAutofit fontScale="92500" lnSpcReduction="10000"/>
+          </a:bodyPr>
+          <a:lstStyle/>
+          <a:p>
+            <a:pPr marL="0" indent="-457200">
+              <a:buNone/>
+            </a:pPr>
+            <a:r>
+              <a:rPr lang="en-US" dirty="0" smtClean="0"/>
+              <a:t>Chen</a:t>
+            </a:r>
+            <a:r>
+              <a:rPr lang="en-US" dirty="0"/>
+              <a:t>, E., Chung, P., Chen, C., Tsai, H., &amp; Chang, C. (1998). An automatic diagnostic system for CT liver image classification. </a:t>
+            </a:r>
+            <a:r>
+              <a:rPr lang="en-US" i="1" dirty="0"/>
+              <a:t>IEEE Transactions on Biomedical Engineering,</a:t>
+            </a:r>
+            <a:r>
+              <a:rPr lang="en-US" dirty="0"/>
+              <a:t> </a:t>
+            </a:r>
+            <a:r>
+              <a:rPr lang="en-US" i="1" dirty="0"/>
+              <a:t>45</a:t>
+            </a:r>
+            <a:r>
+              <a:rPr lang="en-US" dirty="0"/>
+              <a:t>(6), 783-794. doi:10.1109/10.678613</a:t>
+            </a:r>
+          </a:p>
+          <a:p>
+            <a:pPr marL="0" indent="-457200">
+              <a:buNone/>
+            </a:pPr>
+            <a:r>
+              <a:rPr lang="en-US" dirty="0"/>
+              <a:t> </a:t>
+            </a:r>
+          </a:p>
+          <a:p>
+            <a:pPr marL="0" indent="-457200">
+              <a:buNone/>
+            </a:pPr>
+            <a:r>
+              <a:rPr lang="en-US" dirty="0"/>
+              <a:t>Lawrence, S., Giles, C., </a:t>
+            </a:r>
+            <a:r>
+              <a:rPr lang="en-US" dirty="0" err="1"/>
+              <a:t>Tsoi</a:t>
+            </a:r>
+            <a:r>
+              <a:rPr lang="en-US" dirty="0"/>
+              <a:t>, A. C., &amp; Back, A. (1997). Face recognition: a convolutional neural-network approach. </a:t>
+            </a:r>
+            <a:r>
+              <a:rPr lang="en-US" i="1" dirty="0"/>
+              <a:t>IEEE Transactions on Neural Networks,</a:t>
+            </a:r>
+            <a:r>
+              <a:rPr lang="en-US" dirty="0"/>
+              <a:t> </a:t>
+            </a:r>
+            <a:r>
+              <a:rPr lang="en-US" i="1" dirty="0"/>
+              <a:t>8</a:t>
+            </a:r>
+            <a:r>
+              <a:rPr lang="en-US" dirty="0"/>
+              <a:t>(1), 98-113. doi:10.1109/72.554195</a:t>
+            </a:r>
+          </a:p>
+          <a:p>
+            <a:pPr marL="0" indent="-457200">
+              <a:buNone/>
+            </a:pPr>
+            <a:r>
+              <a:rPr lang="en-US" dirty="0"/>
+              <a:t> </a:t>
+            </a:r>
+          </a:p>
+          <a:p>
+            <a:pPr marL="0" indent="-457200">
+              <a:buNone/>
+            </a:pPr>
+            <a:r>
+              <a:rPr lang="en-US" dirty="0"/>
+              <a:t>Saeed, K., &amp; </a:t>
+            </a:r>
+            <a:r>
+              <a:rPr lang="en-US" dirty="0" err="1"/>
+              <a:t>Werdoni</a:t>
+            </a:r>
+            <a:r>
+              <a:rPr lang="en-US" dirty="0"/>
+              <a:t>, M. (2014). A New Approach for Hand-Palm Recognition. </a:t>
+            </a:r>
+            <a:r>
+              <a:rPr lang="en-US" i="1" dirty="0"/>
+              <a:t>Enhanced Methods in Computer Security, Biometric and Artificial Intelligence Systems,</a:t>
+            </a:r>
+            <a:r>
+              <a:rPr lang="en-US" dirty="0"/>
+              <a:t> 185-194. doi:10.1007/0-387-23484-5_18</a:t>
+            </a:r>
+            <a:r>
+              <a:rPr lang="en-US" dirty="0"/>
+              <a:t> </a:t>
+            </a:r>
+          </a:p>
+        </p:txBody>
+      </p:sp>
+    </p:spTree>
+    <p:extLst>
+      <p:ext uri="{BB962C8B-B14F-4D97-AF65-F5344CB8AC3E}">
+        <p14:creationId xmlns:p14="http://schemas.microsoft.com/office/powerpoint/2010/main" val="1236230348"/>
+      </p:ext>
+    </p:extLst>
+  </p:cSld>
+  <p:clrMapOvr>
+    <a:masterClrMapping/>
+  </p:clrMapOvr>
+</p:sld>
+</file>
+
+<file path=ppt/slides/slide2.xml><?xml version="1.0" encoding="utf-8"?>
+<p:sld xmlns:a="http://schemas.openxmlformats.org/drawingml/2006/main" xmlns:r="http://schemas.openxmlformats.org/officeDocument/2006/relationships" xmlns:p="http://schemas.openxmlformats.org/presentationml/2006/main">
+  <p:cSld>
+    <p:spTree>
+      <p:nvGrpSpPr>
+        <p:cNvPr id="1" name=""/>
+        <p:cNvGrpSpPr/>
+        <p:nvPr/>
+      </p:nvGrpSpPr>
+      <p:grpSpPr>
+        <a:xfrm>
+          <a:off x="0" y="0"/>
+          <a:ext cx="0" cy="0"/>
+          <a:chOff x="0" y="0"/>
+          <a:chExt cx="0" cy="0"/>
+        </a:xfrm>
+      </p:grpSpPr>
+      <p:sp>
+        <p:nvSpPr>
+          <p:cNvPr id="3" name="Content Placeholder 2"/>
+          <p:cNvSpPr>
+            <a:spLocks noGrp="1"/>
+          </p:cNvSpPr>
+          <p:nvPr>
+            <p:ph idx="1"/>
+          </p:nvPr>
+        </p:nvSpPr>
+        <p:spPr>
+          <a:xfrm>
+            <a:off x="1371600" y="685800"/>
+            <a:ext cx="9601200" cy="5181600"/>
+          </a:xfrm>
+        </p:spPr>
+        <p:txBody>
+          <a:bodyPr>
+            <a:normAutofit fontScale="92500"/>
+          </a:bodyPr>
+          <a:lstStyle/>
+          <a:p>
+            <a:r>
+              <a:rPr lang="en-US" sz="3600" b="1" u="sng" dirty="0" smtClean="0"/>
+              <a:t>Problem: </a:t>
+            </a:r>
+            <a:r>
+              <a:rPr lang="en-US" sz="3600" dirty="0" smtClean="0"/>
+              <a:t>Cervical cancer has become a problem for most of third world countries because of their inability to treat it.  Certain treatments don’t work for everyone, and can even worsen the condition.  Doctors don’t have the skills or resources to discern the appropriate treatment.</a:t>
+            </a:r>
+          </a:p>
+          <a:p>
+            <a:r>
+              <a:rPr lang="en-US" sz="3600" b="1" u="sng" dirty="0" smtClean="0"/>
+              <a:t>Goal: </a:t>
+            </a:r>
+            <a:r>
+              <a:rPr lang="en-US" sz="3600" dirty="0"/>
+              <a:t>The goal is to create an image classifier that will be able to determine the type of a woman’s cervix, and therefore the appropriate treatment.</a:t>
+            </a:r>
+          </a:p>
+          <a:p>
+            <a:endParaRPr lang="en-US" sz="3200" b="1" dirty="0"/>
+          </a:p>
+        </p:txBody>
+      </p:sp>
+    </p:spTree>
+    <p:extLst>
+      <p:ext uri="{BB962C8B-B14F-4D97-AF65-F5344CB8AC3E}">
+        <p14:creationId xmlns:p14="http://schemas.microsoft.com/office/powerpoint/2010/main" val="219348880"/>
+      </p:ext>
+    </p:extLst>
+  </p:cSld>
+  <p:clrMapOvr>
+    <a:masterClrMapping/>
+  </p:clrMapOvr>
+</p:sld>
+</file>
+
+<file path=ppt/slides/slide3.xml><?xml version="1.0" encoding="utf-8"?>
+<p:sld xmlns:a="http://schemas.openxmlformats.org/drawingml/2006/main" xmlns:r="http://schemas.openxmlformats.org/officeDocument/2006/relationships" xmlns:p="http://schemas.openxmlformats.org/presentationml/2006/main">
+  <p:cSld>
+    <p:spTree>
+      <p:nvGrpSpPr>
+        <p:cNvPr id="1" name=""/>
+        <p:cNvGrpSpPr/>
+        <p:nvPr/>
+      </p:nvGrpSpPr>
+      <p:grpSpPr>
+        <a:xfrm>
+          <a:off x="0" y="0"/>
+          <a:ext cx="0" cy="0"/>
+          <a:chOff x="0" y="0"/>
+          <a:chExt cx="0" cy="0"/>
+        </a:xfrm>
+      </p:grpSpPr>
+      <p:sp>
+        <p:nvSpPr>
+          <p:cNvPr id="3" name="Content Placeholder 2"/>
+          <p:cNvSpPr>
+            <a:spLocks noGrp="1"/>
+          </p:cNvSpPr>
+          <p:nvPr>
+            <p:ph idx="1"/>
+          </p:nvPr>
+        </p:nvSpPr>
+        <p:spPr>
+          <a:xfrm>
+            <a:off x="1340604" y="627680"/>
+            <a:ext cx="9601200" cy="5478651"/>
+          </a:xfrm>
+        </p:spPr>
+        <p:txBody>
+          <a:bodyPr>
+            <a:normAutofit/>
+          </a:bodyPr>
+          <a:lstStyle/>
+          <a:p>
+            <a:pPr marL="742950" indent="-742950">
+              <a:lnSpc>
+                <a:spcPct val="200000"/>
+              </a:lnSpc>
+              <a:buAutoNum type="arabicPeriod"/>
+            </a:pPr>
+            <a:r>
+              <a:rPr lang="en-US" sz="8000" b="1" dirty="0" smtClean="0"/>
+              <a:t>Learn</a:t>
+            </a:r>
+          </a:p>
+          <a:p>
+            <a:pPr marL="742950" indent="-742950">
+              <a:lnSpc>
+                <a:spcPct val="200000"/>
+              </a:lnSpc>
+              <a:buAutoNum type="arabicPeriod"/>
+            </a:pPr>
+            <a:r>
+              <a:rPr lang="en-US" sz="8000" dirty="0" smtClean="0"/>
+              <a:t>Do</a:t>
+            </a:r>
+            <a:endParaRPr lang="en-US" sz="8000" dirty="0"/>
+          </a:p>
+        </p:txBody>
+      </p:sp>
+    </p:spTree>
+    <p:extLst>
+      <p:ext uri="{BB962C8B-B14F-4D97-AF65-F5344CB8AC3E}">
+        <p14:creationId xmlns:p14="http://schemas.microsoft.com/office/powerpoint/2010/main" val="308432611"/>
+      </p:ext>
+    </p:extLst>
+  </p:cSld>
+  <p:clrMapOvr>
+    <a:masterClrMapping/>
+  </p:clrMapOvr>
+</p:sld>
+</file>
+
 <file path=ppt/slides/slide4.xml><?xml version="1.0" encoding="utf-8"?>
 <p:sld xmlns:a="http://schemas.openxmlformats.org/drawingml/2006/main" xmlns:r="http://schemas.openxmlformats.org/officeDocument/2006/relationships" xmlns:p="http://schemas.openxmlformats.org/presentationml/2006/main">
   <p:cSld>
@@ -4076,32 +4459,9 @@
           <a:chExt cx="0" cy="0"/>
         </a:xfrm>
       </p:grpSpPr>
-      <p:sp>
-        <p:nvSpPr>
-          <p:cNvPr id="2" name="Title 1"/>
-          <p:cNvSpPr>
-            <a:spLocks noGrp="1"/>
-          </p:cNvSpPr>
-          <p:nvPr>
-            <p:ph type="title"/>
-          </p:nvPr>
-        </p:nvSpPr>
-        <p:spPr/>
-        <p:txBody>
-          <a:bodyPr/>
-          <a:lstStyle/>
-          <a:p>
-            <a:r>
-              <a:rPr lang="en-US" dirty="0" smtClean="0"/>
-              <a:t>Data</a:t>
-            </a:r>
-            <a:endParaRPr lang="en-US" dirty="0"/>
-          </a:p>
-        </p:txBody>
-      </p:sp>
       <p:pic>
         <p:nvPicPr>
-          <p:cNvPr id="5" name="Content Placeholder 4"/>
+          <p:cNvPr id="4" name="Content Placeholder 3"/>
           <p:cNvPicPr>
             <a:picLocks noGrp="1" noChangeAspect="1"/>
           </p:cNvPicPr>
@@ -4123,15 +4483,45 @@
         </p:blipFill>
         <p:spPr>
           <a:xfrm>
-            <a:off x="3018209" y="1509512"/>
-            <a:ext cx="7675621" cy="4357888"/>
+            <a:off x="790413" y="1"/>
+            <a:ext cx="11127783" cy="6858000"/>
           </a:xfrm>
         </p:spPr>
       </p:pic>
+      <p:sp>
+        <p:nvSpPr>
+          <p:cNvPr id="2" name="Title 1"/>
+          <p:cNvSpPr>
+            <a:spLocks noGrp="1"/>
+          </p:cNvSpPr>
+          <p:nvPr>
+            <p:ph type="title"/>
+          </p:nvPr>
+        </p:nvSpPr>
+        <p:spPr>
+          <a:xfrm>
+            <a:off x="8152119" y="5488337"/>
+            <a:ext cx="3766077" cy="1369664"/>
+          </a:xfrm>
+        </p:spPr>
+        <p:txBody>
+          <a:bodyPr>
+            <a:normAutofit/>
+          </a:bodyPr>
+          <a:lstStyle/>
+          <a:p>
+            <a:r>
+              <a:rPr lang="en-US" sz="8000" b="1" dirty="0" smtClean="0"/>
+              <a:t>1. Learn</a:t>
+            </a:r>
+            <a:endParaRPr lang="en-US" sz="8000" b="1" dirty="0"/>
+          </a:p>
+        </p:txBody>
+      </p:sp>
     </p:spTree>
     <p:extLst>
       <p:ext uri="{BB962C8B-B14F-4D97-AF65-F5344CB8AC3E}">
-        <p14:creationId xmlns:p14="http://schemas.microsoft.com/office/powerpoint/2010/main" val="1562365183"/>
+        <p14:creationId xmlns:p14="http://schemas.microsoft.com/office/powerpoint/2010/main" val="1458060322"/>
       </p:ext>
     </p:extLst>
   </p:cSld>
@@ -4158,6 +4548,35 @@
           <a:chExt cx="0" cy="0"/>
         </a:xfrm>
       </p:grpSpPr>
+      <p:pic>
+        <p:nvPicPr>
+          <p:cNvPr id="5" name="Content Placeholder 4"/>
+          <p:cNvPicPr>
+            <a:picLocks noGrp="1" noChangeAspect="1"/>
+          </p:cNvPicPr>
+          <p:nvPr>
+            <p:ph idx="1"/>
+          </p:nvPr>
+        </p:nvPicPr>
+        <p:blipFill>
+          <a:blip r:embed="rId2">
+            <a:extLst>
+              <a:ext uri="{28A0092B-C50C-407E-A947-70E740481C1C}">
+                <a14:useLocalDpi xmlns:a14="http://schemas.microsoft.com/office/drawing/2010/main" val="0"/>
+              </a:ext>
+            </a:extLst>
+          </a:blip>
+          <a:stretch>
+            <a:fillRect/>
+          </a:stretch>
+        </p:blipFill>
+        <p:spPr>
+          <a:xfrm>
+            <a:off x="726990" y="0"/>
+            <a:ext cx="11446726" cy="6858000"/>
+          </a:xfrm>
+        </p:spPr>
+      </p:pic>
       <p:sp>
         <p:nvSpPr>
           <p:cNvPr id="2" name="Title 1"/>
@@ -4168,67 +4587,30 @@
             <p:ph type="title"/>
           </p:nvPr>
         </p:nvSpPr>
-        <p:spPr/>
-        <p:txBody>
-          <a:bodyPr/>
+        <p:spPr>
+          <a:xfrm>
+            <a:off x="7965926" y="5372100"/>
+            <a:ext cx="4207790" cy="1485900"/>
+          </a:xfrm>
+        </p:spPr>
+        <p:txBody>
+          <a:bodyPr>
+            <a:normAutofit/>
+          </a:bodyPr>
           <a:lstStyle/>
           <a:p>
             <a:r>
-              <a:rPr lang="en-US" dirty="0" smtClean="0"/>
-              <a:t>My time so far</a:t>
-            </a:r>
-            <a:r>
-              <a:rPr lang="mr-IN" dirty="0" smtClean="0"/>
-              <a:t>…</a:t>
-            </a:r>
-            <a:endParaRPr lang="en-US" dirty="0"/>
-          </a:p>
-        </p:txBody>
-      </p:sp>
-      <p:sp>
-        <p:nvSpPr>
-          <p:cNvPr id="3" name="Content Placeholder 2"/>
-          <p:cNvSpPr>
-            <a:spLocks noGrp="1"/>
-          </p:cNvSpPr>
-          <p:nvPr>
-            <p:ph idx="1"/>
-          </p:nvPr>
-        </p:nvSpPr>
-        <p:spPr/>
-        <p:txBody>
-          <a:bodyPr/>
-          <a:lstStyle/>
-          <a:p>
-            <a:r>
-              <a:rPr lang="en-US" sz="3200" dirty="0" smtClean="0"/>
-              <a:t>Learning the basics of ML through introductory </a:t>
-            </a:r>
-            <a:r>
-              <a:rPr lang="en-US" sz="3200" dirty="0" err="1" smtClean="0"/>
-              <a:t>Kaggle</a:t>
-            </a:r>
-            <a:r>
-              <a:rPr lang="en-US" sz="3200" dirty="0" smtClean="0"/>
-              <a:t> projects</a:t>
-            </a:r>
-            <a:endParaRPr lang="en-US" sz="3200" dirty="0" smtClean="0"/>
-          </a:p>
-          <a:p>
-            <a:r>
-              <a:rPr lang="en-US" sz="3200" dirty="0" smtClean="0"/>
-              <a:t>Reading articles about current algorithms being used for image classification</a:t>
-            </a:r>
-          </a:p>
-          <a:p>
-            <a:endParaRPr lang="en-US" dirty="0"/>
+              <a:rPr lang="en-US" sz="8000" b="1" dirty="0"/>
+              <a:t>1. Learn</a:t>
+            </a:r>
+            <a:endParaRPr lang="en-US" sz="8000" dirty="0"/>
           </a:p>
         </p:txBody>
       </p:sp>
     </p:spTree>
     <p:extLst>
       <p:ext uri="{BB962C8B-B14F-4D97-AF65-F5344CB8AC3E}">
-        <p14:creationId xmlns:p14="http://schemas.microsoft.com/office/powerpoint/2010/main" val="1986843482"/>
+        <p14:creationId xmlns:p14="http://schemas.microsoft.com/office/powerpoint/2010/main" val="2143402800"/>
       </p:ext>
     </p:extLst>
   </p:cSld>
@@ -4257,33 +4639,6 @@
       </p:grpSpPr>
       <p:sp>
         <p:nvSpPr>
-          <p:cNvPr id="2" name="Title 1"/>
-          <p:cNvSpPr>
-            <a:spLocks noGrp="1"/>
-          </p:cNvSpPr>
-          <p:nvPr>
-            <p:ph type="title"/>
-          </p:nvPr>
-        </p:nvSpPr>
-        <p:spPr/>
-        <p:txBody>
-          <a:bodyPr/>
-          <a:lstStyle/>
-          <a:p>
-            <a:r>
-              <a:rPr lang="en-US" dirty="0" smtClean="0"/>
-              <a:t>What have I learned so far</a:t>
-            </a:r>
-            <a:r>
-              <a:rPr lang="mr-IN" dirty="0" smtClean="0"/>
-              <a:t>…</a:t>
-            </a:r>
-            <a:endParaRPr lang="en-US" dirty="0"/>
-          </a:p>
-        </p:txBody>
-      </p:sp>
-      <p:sp>
-        <p:nvSpPr>
           <p:cNvPr id="3" name="Content Placeholder 2"/>
           <p:cNvSpPr>
             <a:spLocks noGrp="1"/>
@@ -4292,90 +4647,65 @@
             <p:ph idx="1"/>
           </p:nvPr>
         </p:nvSpPr>
-        <p:spPr/>
+        <p:spPr>
+          <a:xfrm>
+            <a:off x="1216617" y="0"/>
+            <a:ext cx="4470400" cy="6667500"/>
+          </a:xfrm>
+        </p:spPr>
         <p:txBody>
           <a:bodyPr>
-            <a:normAutofit fontScale="92500" lnSpcReduction="10000"/>
+            <a:normAutofit/>
           </a:bodyPr>
           <a:lstStyle/>
           <a:p>
-            <a:r>
-              <a:rPr lang="en-US" sz="3200" dirty="0" smtClean="0"/>
-              <a:t>Understanding the steps to the ML process</a:t>
-            </a:r>
-          </a:p>
-          <a:p>
-            <a:pPr lvl="1"/>
-            <a:r>
-              <a:rPr lang="en-US" sz="3200" dirty="0" smtClean="0"/>
-              <a:t>Steps to both clean and transform </a:t>
-            </a:r>
-            <a:r>
-              <a:rPr lang="en-US" sz="3200" dirty="0" smtClean="0"/>
-              <a:t>data</a:t>
-            </a:r>
-            <a:endParaRPr lang="en-US" sz="3200" dirty="0" smtClean="0"/>
-          </a:p>
-          <a:p>
-            <a:r>
-              <a:rPr lang="en-US" sz="3200" dirty="0" smtClean="0"/>
-              <a:t>Learning steps I could take in </a:t>
-            </a:r>
-            <a:r>
-              <a:rPr lang="en-US" sz="3200" dirty="0" smtClean="0"/>
-              <a:t>preprocessing</a:t>
-            </a:r>
-          </a:p>
-          <a:p>
-            <a:pPr lvl="1"/>
-            <a:r>
-              <a:rPr lang="en-US" sz="3200" dirty="0" smtClean="0"/>
-              <a:t>Boundary detection and extraction</a:t>
-            </a:r>
-          </a:p>
-          <a:p>
-            <a:pPr lvl="1"/>
-            <a:r>
-              <a:rPr lang="en-US" sz="3200" dirty="0" smtClean="0"/>
-              <a:t>Histogram equalizations</a:t>
-            </a:r>
-            <a:endParaRPr lang="en-US" sz="3200" dirty="0" smtClean="0"/>
-          </a:p>
-          <a:p>
-            <a:r>
-              <a:rPr lang="en-US" sz="3200" dirty="0" smtClean="0"/>
-              <a:t>Learning new algorithms that I could </a:t>
-            </a:r>
-            <a:r>
-              <a:rPr lang="en-US" sz="3200" dirty="0" smtClean="0"/>
-              <a:t>implement</a:t>
-            </a:r>
-          </a:p>
-          <a:p>
-            <a:pPr lvl="1"/>
-            <a:r>
-              <a:rPr lang="en-US" sz="3200" dirty="0" err="1" smtClean="0"/>
-              <a:t>Specht’s</a:t>
-            </a:r>
-            <a:r>
-              <a:rPr lang="en-US" sz="3200" dirty="0" smtClean="0"/>
-              <a:t> </a:t>
-            </a:r>
-            <a:r>
-              <a:rPr lang="en-US" sz="3200" dirty="0" err="1" smtClean="0"/>
-              <a:t>probablistic</a:t>
-            </a:r>
-            <a:r>
-              <a:rPr lang="en-US" sz="3200" dirty="0" smtClean="0"/>
-              <a:t> neural networks</a:t>
-            </a:r>
-          </a:p>
-        </p:txBody>
-      </p:sp>
+            <a:pPr marL="914400" indent="-914400">
+              <a:buAutoNum type="arabicPeriod"/>
+            </a:pPr>
+            <a:r>
+              <a:rPr lang="en-US" sz="4000" dirty="0" smtClean="0"/>
+              <a:t>Lost the relationship between my work and the goal of the project</a:t>
+            </a:r>
+          </a:p>
+          <a:p>
+            <a:pPr marL="0" indent="0">
+              <a:buNone/>
+            </a:pPr>
+            <a:r>
+              <a:rPr lang="en-US" sz="4000" dirty="0" smtClean="0"/>
+              <a:t>Solution: Jump in, 	starting with 	the 	preprocessing</a:t>
+            </a:r>
+          </a:p>
+        </p:txBody>
+      </p:sp>
+      <p:pic>
+        <p:nvPicPr>
+          <p:cNvPr id="4" name="Picture 3"/>
+          <p:cNvPicPr>
+            <a:picLocks noChangeAspect="1"/>
+          </p:cNvPicPr>
+          <p:nvPr/>
+        </p:nvPicPr>
+        <p:blipFill>
+          <a:blip r:embed="rId2"/>
+          <a:stretch>
+            <a:fillRect/>
+          </a:stretch>
+        </p:blipFill>
+        <p:spPr>
+          <a:xfrm>
+            <a:off x="5687017" y="125923"/>
+            <a:ext cx="6350000" cy="4495800"/>
+          </a:xfrm>
+          <a:prstGeom prst="rect">
+            <a:avLst/>
+          </a:prstGeom>
+        </p:spPr>
+      </p:pic>
     </p:spTree>
     <p:extLst>
       <p:ext uri="{BB962C8B-B14F-4D97-AF65-F5344CB8AC3E}">
-        <p14:creationId xmlns:p14="http://schemas.microsoft.com/office/powerpoint/2010/main" val="1584701159"/>
+        <p14:creationId xmlns:p14="http://schemas.microsoft.com/office/powerpoint/2010/main" val="787945794"/>
       </p:ext>
     </p:extLst>
   </p:cSld>
@@ -4412,23 +4742,96 @@
             <p:ph type="title"/>
           </p:nvPr>
         </p:nvSpPr>
+        <p:spPr/>
+        <p:txBody>
+          <a:bodyPr/>
+          <a:lstStyle/>
+          <a:p>
+            <a:r>
+              <a:rPr lang="en-US" dirty="0" smtClean="0"/>
+              <a:t>Data</a:t>
+            </a:r>
+            <a:endParaRPr lang="en-US" dirty="0"/>
+          </a:p>
+        </p:txBody>
+      </p:sp>
+      <p:pic>
+        <p:nvPicPr>
+          <p:cNvPr id="5" name="Content Placeholder 4"/>
+          <p:cNvPicPr>
+            <a:picLocks noGrp="1" noChangeAspect="1"/>
+          </p:cNvPicPr>
+          <p:nvPr>
+            <p:ph idx="1"/>
+          </p:nvPr>
+        </p:nvPicPr>
+        <p:blipFill>
+          <a:blip r:embed="rId2">
+            <a:extLst>
+              <a:ext uri="{28A0092B-C50C-407E-A947-70E740481C1C}">
+                <a14:useLocalDpi xmlns:a14="http://schemas.microsoft.com/office/drawing/2010/main" val="0"/>
+              </a:ext>
+            </a:extLst>
+          </a:blip>
+          <a:stretch>
+            <a:fillRect/>
+          </a:stretch>
+        </p:blipFill>
         <p:spPr>
           <a:xfrm>
-            <a:off x="1371600" y="685800"/>
-            <a:ext cx="9601200" cy="941522"/>
+            <a:off x="3018209" y="1509512"/>
+            <a:ext cx="7675621" cy="4357888"/>
           </a:xfrm>
         </p:spPr>
+      </p:pic>
+    </p:spTree>
+    <p:extLst>
+      <p:ext uri="{BB962C8B-B14F-4D97-AF65-F5344CB8AC3E}">
+        <p14:creationId xmlns:p14="http://schemas.microsoft.com/office/powerpoint/2010/main" val="1562365183"/>
+      </p:ext>
+    </p:extLst>
+  </p:cSld>
+  <p:clrMapOvr>
+    <a:masterClrMapping/>
+  </p:clrMapOvr>
+</p:sld>
+</file>
+
+<file path=ppt/slides/slide8.xml><?xml version="1.0" encoding="utf-8"?>
+<p:sld xmlns:a="http://schemas.openxmlformats.org/drawingml/2006/main" xmlns:r="http://schemas.openxmlformats.org/officeDocument/2006/relationships" xmlns:p="http://schemas.openxmlformats.org/presentationml/2006/main">
+  <p:cSld>
+    <p:spTree>
+      <p:nvGrpSpPr>
+        <p:cNvPr id="1" name=""/>
+        <p:cNvGrpSpPr/>
+        <p:nvPr/>
+      </p:nvGrpSpPr>
+      <p:grpSpPr>
+        <a:xfrm>
+          <a:off x="0" y="0"/>
+          <a:ext cx="0" cy="0"/>
+          <a:chOff x="0" y="0"/>
+          <a:chExt cx="0" cy="0"/>
+        </a:xfrm>
+      </p:grpSpPr>
+      <p:sp>
+        <p:nvSpPr>
+          <p:cNvPr id="2" name="Title 1"/>
+          <p:cNvSpPr>
+            <a:spLocks noGrp="1"/>
+          </p:cNvSpPr>
+          <p:nvPr>
+            <p:ph type="title"/>
+          </p:nvPr>
+        </p:nvSpPr>
+        <p:spPr/>
         <p:txBody>
           <a:bodyPr/>
           <a:lstStyle/>
           <a:p>
             <a:r>
               <a:rPr lang="en-US" dirty="0" smtClean="0"/>
-              <a:t>My next </a:t>
-            </a:r>
-            <a:r>
-              <a:rPr lang="en-US" dirty="0" smtClean="0"/>
-              <a:t>local steps</a:t>
+              <a:t>Information gained from other research</a:t>
             </a:r>
             <a:endParaRPr lang="en-US" dirty="0"/>
           </a:p>
@@ -4453,33 +4856,55 @@
           <a:p>
             <a:r>
               <a:rPr lang="en-US" sz="3200" dirty="0" smtClean="0"/>
-              <a:t>Doing the Facebook </a:t>
-            </a:r>
+              <a:t>Learning </a:t>
+            </a:r>
+            <a:r>
+              <a:rPr lang="en-US" sz="3200" dirty="0" smtClean="0"/>
+              <a:t>steps I could take in preprocessing</a:t>
+            </a:r>
+          </a:p>
+          <a:p>
+            <a:pPr lvl="1"/>
+            <a:r>
+              <a:rPr lang="en-US" sz="3200" dirty="0" smtClean="0"/>
+              <a:t>Boundary detection and </a:t>
+            </a:r>
+            <a:r>
+              <a:rPr lang="en-US" sz="3200" dirty="0" smtClean="0"/>
+              <a:t>extraction</a:t>
+            </a:r>
+            <a:endParaRPr lang="en-US" sz="3200" dirty="0" smtClean="0"/>
+          </a:p>
+          <a:p>
+            <a:pPr lvl="1"/>
+            <a:r>
+              <a:rPr lang="en-US" sz="3200" dirty="0" smtClean="0"/>
+              <a:t>Histogram equalizations</a:t>
+            </a:r>
+          </a:p>
+          <a:p>
+            <a:r>
+              <a:rPr lang="en-US" sz="3200" dirty="0" smtClean="0"/>
+              <a:t>Learning new algorithms that I could implement</a:t>
+            </a:r>
+          </a:p>
+          <a:p>
+            <a:pPr lvl="1"/>
             <a:r>
               <a:rPr lang="en-US" sz="3200" dirty="0" err="1" smtClean="0"/>
-              <a:t>Kaggle</a:t>
+              <a:t>Specht’s</a:t>
             </a:r>
             <a:r>
               <a:rPr lang="en-US" sz="3200" dirty="0" smtClean="0"/>
-              <a:t> Competition</a:t>
-            </a:r>
-          </a:p>
-          <a:p>
+              <a:t> </a:t>
+            </a:r>
+            <a:r>
+              <a:rPr lang="en-US" sz="3200" dirty="0" err="1" smtClean="0"/>
+              <a:t>probablistic</a:t>
+            </a:r>
             <a:r>
               <a:rPr lang="en-US" sz="3200" dirty="0" smtClean="0"/>
-              <a:t>Starting the preprocessing using techniques learned from research </a:t>
-            </a:r>
-            <a:r>
-              <a:rPr lang="en-US" sz="3200" dirty="0" smtClean="0"/>
-              <a:t>articles and </a:t>
-            </a:r>
-            <a:r>
-              <a:rPr lang="en-US" sz="3200" dirty="0" err="1" smtClean="0"/>
-              <a:t>OpenCV</a:t>
-            </a:r>
-            <a:r>
-              <a:rPr lang="en-US" sz="3200" dirty="0" smtClean="0"/>
-              <a:t> tutorials</a:t>
+              <a:t> neural networks</a:t>
             </a:r>
           </a:p>
         </p:txBody>
@@ -4487,7 +4912,113 @@
     </p:spTree>
     <p:extLst>
       <p:ext uri="{BB962C8B-B14F-4D97-AF65-F5344CB8AC3E}">
-        <p14:creationId xmlns:p14="http://schemas.microsoft.com/office/powerpoint/2010/main" val="388976473"/>
+        <p14:creationId xmlns:p14="http://schemas.microsoft.com/office/powerpoint/2010/main" val="1584701159"/>
+      </p:ext>
+    </p:extLst>
+  </p:cSld>
+  <p:clrMapOvr>
+    <a:masterClrMapping/>
+  </p:clrMapOvr>
+</p:sld>
+</file>
+
+<file path=ppt/slides/slide9.xml><?xml version="1.0" encoding="utf-8"?>
+<p:sld xmlns:a="http://schemas.openxmlformats.org/drawingml/2006/main" xmlns:r="http://schemas.openxmlformats.org/officeDocument/2006/relationships" xmlns:p="http://schemas.openxmlformats.org/presentationml/2006/main">
+  <p:cSld>
+    <p:spTree>
+      <p:nvGrpSpPr>
+        <p:cNvPr id="1" name=""/>
+        <p:cNvGrpSpPr/>
+        <p:nvPr/>
+      </p:nvGrpSpPr>
+      <p:grpSpPr>
+        <a:xfrm>
+          <a:off x="0" y="0"/>
+          <a:ext cx="0" cy="0"/>
+          <a:chOff x="0" y="0"/>
+          <a:chExt cx="0" cy="0"/>
+        </a:xfrm>
+      </p:grpSpPr>
+      <p:sp>
+        <p:nvSpPr>
+          <p:cNvPr id="2" name="Title 1"/>
+          <p:cNvSpPr>
+            <a:spLocks noGrp="1"/>
+          </p:cNvSpPr>
+          <p:nvPr>
+            <p:ph type="title"/>
+          </p:nvPr>
+        </p:nvSpPr>
+        <p:spPr/>
+        <p:txBody>
+          <a:bodyPr/>
+          <a:lstStyle/>
+          <a:p>
+            <a:r>
+              <a:rPr lang="en-US" dirty="0" smtClean="0"/>
+              <a:t>Preprocessing</a:t>
+            </a:r>
+            <a:br>
+              <a:rPr lang="en-US" dirty="0" smtClean="0"/>
+            </a:br>
+            <a:endParaRPr lang="en-US" dirty="0"/>
+          </a:p>
+        </p:txBody>
+      </p:sp>
+      <p:sp>
+        <p:nvSpPr>
+          <p:cNvPr id="3" name="Content Placeholder 2"/>
+          <p:cNvSpPr>
+            <a:spLocks noGrp="1"/>
+          </p:cNvSpPr>
+          <p:nvPr>
+            <p:ph idx="1"/>
+          </p:nvPr>
+        </p:nvSpPr>
+        <p:spPr/>
+        <p:txBody>
+          <a:bodyPr>
+            <a:normAutofit/>
+          </a:bodyPr>
+          <a:lstStyle/>
+          <a:p>
+            <a:r>
+              <a:rPr lang="en-US" sz="4000" dirty="0" smtClean="0"/>
+              <a:t>Boundary detection and extraction</a:t>
+            </a:r>
+          </a:p>
+          <a:p>
+            <a:pPr lvl="1"/>
+            <a:r>
+              <a:rPr lang="en-US" sz="4000" dirty="0" smtClean="0"/>
+              <a:t>NFB feature curve</a:t>
+            </a:r>
+          </a:p>
+          <a:p>
+            <a:pPr lvl="2"/>
+            <a:endParaRPr lang="en-US" sz="3800" dirty="0" smtClean="0"/>
+          </a:p>
+          <a:p>
+            <a:pPr lvl="2"/>
+            <a:r>
+              <a:rPr lang="en-US" sz="3800" dirty="0" smtClean="0"/>
+              <a:t>Histogram equalizations</a:t>
+            </a:r>
+          </a:p>
+          <a:p>
+            <a:pPr lvl="3"/>
+            <a:r>
+              <a:rPr lang="en-US" sz="3800" dirty="0" smtClean="0"/>
+              <a:t>Adjusts image intensities</a:t>
+            </a:r>
+            <a:endParaRPr lang="en-US" sz="3800" dirty="0"/>
+          </a:p>
+        </p:txBody>
+      </p:sp>
+    </p:spTree>
+    <p:extLst>
+      <p:ext uri="{BB962C8B-B14F-4D97-AF65-F5344CB8AC3E}">
+        <p14:creationId xmlns:p14="http://schemas.microsoft.com/office/powerpoint/2010/main" val="1112874333"/>
       </p:ext>
     </p:extLst>
   </p:cSld>

--- a/ProgressReport.pptx
+++ b/ProgressReport.pptx
@@ -4649,8 +4649,8 @@
         </p:nvSpPr>
         <p:spPr>
           <a:xfrm>
-            <a:off x="1216617" y="0"/>
-            <a:ext cx="4470400" cy="6667500"/>
+            <a:off x="1170122" y="666427"/>
+            <a:ext cx="8872780" cy="6667500"/>
           </a:xfrm>
         </p:spPr>
         <p:txBody>
@@ -4659,49 +4659,48 @@
           </a:bodyPr>
           <a:lstStyle/>
           <a:p>
-            <a:pPr marL="914400" indent="-914400">
-              <a:buAutoNum type="arabicPeriod"/>
+            <a:pPr marL="0" indent="0">
+              <a:lnSpc>
+                <a:spcPct val="100000"/>
+              </a:lnSpc>
+              <a:buNone/>
             </a:pPr>
             <a:r>
+              <a:rPr lang="en-US" sz="4000" b="1" dirty="0" smtClean="0"/>
+              <a:t>Problem with progress so far</a:t>
+            </a:r>
+            <a:r>
               <a:rPr lang="en-US" sz="4000" dirty="0" smtClean="0"/>
-              <a:t>Lost the relationship between my work and the goal of the project</a:t>
+              <a:t>: Lost the relationship between my work and the goal of the project</a:t>
             </a:r>
           </a:p>
           <a:p>
             <a:pPr marL="0" indent="0">
+              <a:lnSpc>
+                <a:spcPct val="100000"/>
+              </a:lnSpc>
               <a:buNone/>
             </a:pPr>
+            <a:endParaRPr lang="en-US" sz="4000" dirty="0" smtClean="0"/>
+          </a:p>
+          <a:p>
+            <a:pPr marL="0" indent="0">
+              <a:lnSpc>
+                <a:spcPct val="100000"/>
+              </a:lnSpc>
+              <a:buNone/>
+            </a:pPr>
+            <a:r>
+              <a:rPr lang="en-US" sz="4000" b="1" dirty="0" smtClean="0"/>
+              <a:t>Solution</a:t>
+            </a:r>
             <a:r>
               <a:rPr lang="en-US" sz="4000" dirty="0" smtClean="0"/>
-              <a:t>Solution: Jump in, 	starting with 	the 	preprocessing</a:t>
-            </a:r>
-          </a:p>
-        </p:txBody>
-      </p:sp>
-      <p:pic>
-        <p:nvPicPr>
-          <p:cNvPr id="4" name="Picture 3"/>
-          <p:cNvPicPr>
-            <a:picLocks noChangeAspect="1"/>
-          </p:cNvPicPr>
-          <p:nvPr/>
-        </p:nvPicPr>
-        <p:blipFill>
-          <a:blip r:embed="rId2"/>
-          <a:stretch>
-            <a:fillRect/>
-          </a:stretch>
-        </p:blipFill>
-        <p:spPr>
-          <a:xfrm>
-            <a:off x="5687017" y="125923"/>
-            <a:ext cx="6350000" cy="4495800"/>
-          </a:xfrm>
-          <a:prstGeom prst="rect">
-            <a:avLst/>
-          </a:prstGeom>
-        </p:spPr>
-      </p:pic>
+              <a:t>: Jump in, starting with the preprocessing</a:t>
+            </a:r>
+          </a:p>
+        </p:txBody>
+      </p:sp>
     </p:spTree>
     <p:extLst>
       <p:ext uri="{BB962C8B-B14F-4D97-AF65-F5344CB8AC3E}">
